--- a/Batch-10/Proff Lecture Material/1. INTRODUCTION TO CLOUD COMPUTING.pptx
+++ b/Batch-10/Proff Lecture Material/1. INTRODUCTION TO CLOUD COMPUTING.pptx
@@ -5,18 +5,19 @@
     <p:sldMasterId id="2147483720" r:id="rId1"/>
   </p:sldMasterIdLst>
   <p:notesMasterIdLst>
-    <p:notesMasterId r:id="rId11"/>
+    <p:notesMasterId r:id="rId12"/>
   </p:notesMasterIdLst>
   <p:sldIdLst>
     <p:sldId id="256" r:id="rId2"/>
     <p:sldId id="258" r:id="rId3"/>
     <p:sldId id="259" r:id="rId4"/>
-    <p:sldId id="266" r:id="rId5"/>
-    <p:sldId id="264" r:id="rId6"/>
-    <p:sldId id="260" r:id="rId7"/>
-    <p:sldId id="261" r:id="rId8"/>
-    <p:sldId id="262" r:id="rId9"/>
-    <p:sldId id="263" r:id="rId10"/>
+    <p:sldId id="267" r:id="rId5"/>
+    <p:sldId id="266" r:id="rId6"/>
+    <p:sldId id="264" r:id="rId7"/>
+    <p:sldId id="260" r:id="rId8"/>
+    <p:sldId id="261" r:id="rId9"/>
+    <p:sldId id="262" r:id="rId10"/>
+    <p:sldId id="263" r:id="rId11"/>
   </p:sldIdLst>
   <p:sldSz cx="9144000" cy="6858000" type="screen4x3"/>
   <p:notesSz cx="6858000" cy="9144000"/>
@@ -217,7 +218,7 @@
             <a:fld id="{08FC5E1F-D482-47F1-8EF1-8D2A4BECC6A9}" type="datetimeFigureOut">
               <a:rPr lang="en-US" smtClean="0"/>
               <a:pPr/>
-              <a:t>8/15/2022</a:t>
+              <a:t>1/17/2023</a:t>
             </a:fld>
             <a:endParaRPr lang="en-US"/>
           </a:p>
@@ -736,7 +737,7 @@
             <a:fld id="{65209A39-6C6C-41E2-9F21-AD18AC686941}" type="datetimeFigureOut">
               <a:rPr lang="en-US" smtClean="0"/>
               <a:pPr/>
-              <a:t>8/15/2022</a:t>
+              <a:t>1/17/2023</a:t>
             </a:fld>
             <a:endParaRPr lang="en-US"/>
           </a:p>
@@ -902,7 +903,7 @@
             <a:fld id="{65209A39-6C6C-41E2-9F21-AD18AC686941}" type="datetimeFigureOut">
               <a:rPr lang="en-US" smtClean="0"/>
               <a:pPr/>
-              <a:t>8/15/2022</a:t>
+              <a:t>1/17/2023</a:t>
             </a:fld>
             <a:endParaRPr lang="en-US"/>
           </a:p>
@@ -1078,7 +1079,7 @@
             <a:fld id="{65209A39-6C6C-41E2-9F21-AD18AC686941}" type="datetimeFigureOut">
               <a:rPr lang="en-US" smtClean="0"/>
               <a:pPr/>
-              <a:t>8/15/2022</a:t>
+              <a:t>1/17/2023</a:t>
             </a:fld>
             <a:endParaRPr lang="en-US"/>
           </a:p>
@@ -1244,7 +1245,7 @@
             <a:fld id="{65209A39-6C6C-41E2-9F21-AD18AC686941}" type="datetimeFigureOut">
               <a:rPr lang="en-US" smtClean="0"/>
               <a:pPr/>
-              <a:t>8/15/2022</a:t>
+              <a:t>1/17/2023</a:t>
             </a:fld>
             <a:endParaRPr lang="en-US"/>
           </a:p>
@@ -1487,7 +1488,7 @@
             <a:fld id="{65209A39-6C6C-41E2-9F21-AD18AC686941}" type="datetimeFigureOut">
               <a:rPr lang="en-US" smtClean="0"/>
               <a:pPr/>
-              <a:t>8/15/2022</a:t>
+              <a:t>1/17/2023</a:t>
             </a:fld>
             <a:endParaRPr lang="en-US"/>
           </a:p>
@@ -1752,7 +1753,7 @@
             <a:fld id="{65209A39-6C6C-41E2-9F21-AD18AC686941}" type="datetimeFigureOut">
               <a:rPr lang="en-US" smtClean="0"/>
               <a:pPr/>
-              <a:t>8/15/2022</a:t>
+              <a:t>1/17/2023</a:t>
             </a:fld>
             <a:endParaRPr lang="en-US"/>
           </a:p>
@@ -2131,7 +2132,7 @@
             <a:fld id="{65209A39-6C6C-41E2-9F21-AD18AC686941}" type="datetimeFigureOut">
               <a:rPr lang="en-US" smtClean="0"/>
               <a:pPr/>
-              <a:t>8/15/2022</a:t>
+              <a:t>1/17/2023</a:t>
             </a:fld>
             <a:endParaRPr lang="en-US"/>
           </a:p>
@@ -2282,7 +2283,7 @@
             <a:fld id="{65209A39-6C6C-41E2-9F21-AD18AC686941}" type="datetimeFigureOut">
               <a:rPr lang="en-US" smtClean="0"/>
               <a:pPr/>
-              <a:t>8/15/2022</a:t>
+              <a:t>1/17/2023</a:t>
             </a:fld>
             <a:endParaRPr lang="en-US"/>
           </a:p>
@@ -2374,7 +2375,7 @@
             <a:fld id="{65209A39-6C6C-41E2-9F21-AD18AC686941}" type="datetimeFigureOut">
               <a:rPr lang="en-US" smtClean="0"/>
               <a:pPr/>
-              <a:t>8/15/2022</a:t>
+              <a:t>1/17/2023</a:t>
             </a:fld>
             <a:endParaRPr lang="en-US"/>
           </a:p>
@@ -2636,7 +2637,7 @@
             <a:fld id="{65209A39-6C6C-41E2-9F21-AD18AC686941}" type="datetimeFigureOut">
               <a:rPr lang="en-US" smtClean="0"/>
               <a:pPr/>
-              <a:t>8/15/2022</a:t>
+              <a:t>1/17/2023</a:t>
             </a:fld>
             <a:endParaRPr lang="en-US"/>
           </a:p>
@@ -2925,7 +2926,7 @@
             <a:fld id="{65209A39-6C6C-41E2-9F21-AD18AC686941}" type="datetimeFigureOut">
               <a:rPr lang="en-US" smtClean="0"/>
               <a:pPr/>
-              <a:t>8/15/2022</a:t>
+              <a:t>1/17/2023</a:t>
             </a:fld>
             <a:endParaRPr lang="en-US"/>
           </a:p>
@@ -3696,7 +3697,7 @@
             <a:fld id="{65209A39-6C6C-41E2-9F21-AD18AC686941}" type="datetimeFigureOut">
               <a:rPr lang="en-US" smtClean="0"/>
               <a:pPr/>
-              <a:t>8/15/2022</a:t>
+              <a:t>1/17/2023</a:t>
             </a:fld>
             <a:endParaRPr lang="en-US"/>
           </a:p>
@@ -4339,8 +4340,132 @@
           <a:p>
             <a:pPr algn="ctr"/>
             <a:r>
+              <a:rPr lang="en-US" sz="5400" dirty="0">
+                <a:solidFill>
+                  <a:srgbClr val="FFC000"/>
+                </a:solidFill>
+              </a:rPr>
+              <a:t>TNGS Learning Solutions </a:t>
+            </a:r>
+            <a:r>
               <a:rPr lang="en-US" sz="5400" dirty="0"/>
               <a:t>INTRODUCTION TO CLOUD COMPUTING</a:t>
+            </a:r>
+          </a:p>
+        </p:txBody>
+      </p:sp>
+    </p:spTree>
+  </p:cSld>
+  <p:clrMapOvr>
+    <a:masterClrMapping/>
+  </p:clrMapOvr>
+</p:sld>
+</file>
+
+<file path=ppt/slides/slide10.xml><?xml version="1.0" encoding="utf-8"?>
+<p:sld xmlns:a="http://schemas.openxmlformats.org/drawingml/2006/main" xmlns:r="http://schemas.openxmlformats.org/officeDocument/2006/relationships" xmlns:p="http://schemas.openxmlformats.org/presentationml/2006/main">
+  <p:cSld>
+    <p:spTree>
+      <p:nvGrpSpPr>
+        <p:cNvPr id="1" name=""/>
+        <p:cNvGrpSpPr/>
+        <p:nvPr/>
+      </p:nvGrpSpPr>
+      <p:grpSpPr>
+        <a:xfrm>
+          <a:off x="0" y="0"/>
+          <a:ext cx="0" cy="0"/>
+          <a:chOff x="0" y="0"/>
+          <a:chExt cx="0" cy="0"/>
+        </a:xfrm>
+      </p:grpSpPr>
+      <p:sp>
+        <p:nvSpPr>
+          <p:cNvPr id="2" name="Title 1"/>
+          <p:cNvSpPr>
+            <a:spLocks noGrp="1"/>
+          </p:cNvSpPr>
+          <p:nvPr>
+            <p:ph type="title"/>
+          </p:nvPr>
+        </p:nvSpPr>
+        <p:spPr>
+          <a:xfrm>
+            <a:off x="457200" y="856488"/>
+            <a:ext cx="8229600" cy="1353312"/>
+          </a:xfrm>
+        </p:spPr>
+        <p:txBody>
+          <a:bodyPr>
+            <a:normAutofit fontScale="90000"/>
+          </a:bodyPr>
+          <a:lstStyle/>
+          <a:p>
+            <a:pPr algn="ctr"/>
+            <a:r>
+              <a:rPr lang="en-US" b="1" dirty="0"/>
+              <a:t>DISADVANTAGES OF CLOUD COMPUTING</a:t>
+            </a:r>
+          </a:p>
+        </p:txBody>
+      </p:sp>
+      <p:sp>
+        <p:nvSpPr>
+          <p:cNvPr id="3" name="Content Placeholder 2"/>
+          <p:cNvSpPr>
+            <a:spLocks noGrp="1"/>
+          </p:cNvSpPr>
+          <p:nvPr>
+            <p:ph idx="1"/>
+          </p:nvPr>
+        </p:nvSpPr>
+        <p:spPr>
+          <a:xfrm>
+            <a:off x="457200" y="2057400"/>
+            <a:ext cx="8229600" cy="4267200"/>
+          </a:xfrm>
+        </p:spPr>
+        <p:txBody>
+          <a:bodyPr/>
+          <a:lstStyle/>
+          <a:p>
+            <a:r>
+              <a:rPr lang="en-US" b="1" dirty="0"/>
+              <a:t>Security Issues: </a:t>
+            </a:r>
+          </a:p>
+          <a:p>
+            <a:pPr lvl="1"/>
+            <a:r>
+              <a:rPr lang="en-US" dirty="0"/>
+              <a:t>Security is the major issue in cloud computing. </a:t>
+            </a:r>
+          </a:p>
+          <a:p>
+            <a:pPr lvl="1"/>
+            <a:r>
+              <a:rPr lang="en-US" dirty="0"/>
+              <a:t>The cloud  services implement the best security standards and industry  certifications. </a:t>
+            </a:r>
+          </a:p>
+          <a:p>
+            <a:pPr lvl="2"/>
+            <a:r>
+              <a:rPr lang="en-US" i="1" dirty="0"/>
+              <a:t>However, storing data on an external service providers always  bears a risk. </a:t>
+            </a:r>
+          </a:p>
+          <a:p>
+            <a:r>
+              <a:rPr lang="en-US" b="1" dirty="0"/>
+              <a:t>Technical Issues: </a:t>
+            </a:r>
+          </a:p>
+          <a:p>
+            <a:pPr lvl="1"/>
+            <a:r>
+              <a:rPr lang="en-US" dirty="0"/>
+              <a:t>You always need to rely on the internet to  uploading/downloading and migrating.</a:t>
             </a:r>
           </a:p>
         </p:txBody>
@@ -4412,26 +4537,17 @@
         </p:nvSpPr>
         <p:spPr>
           <a:xfrm>
-            <a:off x="457200" y="2514600"/>
-            <a:ext cx="8229600" cy="3810000"/>
+            <a:off x="474133" y="2971800"/>
+            <a:ext cx="8229600" cy="2209800"/>
           </a:xfrm>
         </p:spPr>
         <p:txBody>
-          <a:bodyPr/>
+          <a:bodyPr>
+            <a:normAutofit fontScale="92500" lnSpcReduction="20000"/>
+          </a:bodyPr>
           <a:lstStyle/>
           <a:p>
             <a:pPr>
-              <a:lnSpc>
-                <a:spcPct val="300000"/>
-              </a:lnSpc>
-            </a:pPr>
-            <a:r>
-              <a:rPr lang="en-US" b="1" dirty="0"/>
-              <a:t>Introduction to Cloud Computing </a:t>
-            </a:r>
-          </a:p>
-          <a:p>
-            <a:pPr lvl="1">
               <a:lnSpc>
                 <a:spcPct val="150000"/>
               </a:lnSpc>
@@ -4442,7 +4558,7 @@
             </a:r>
           </a:p>
           <a:p>
-            <a:pPr lvl="1">
+            <a:pPr>
               <a:lnSpc>
                 <a:spcPct val="150000"/>
               </a:lnSpc>
@@ -4453,7 +4569,7 @@
             </a:r>
           </a:p>
           <a:p>
-            <a:pPr lvl="1">
+            <a:pPr>
               <a:lnSpc>
                 <a:spcPct val="150000"/>
               </a:lnSpc>
@@ -4464,7 +4580,15 @@
             </a:r>
           </a:p>
           <a:p>
-            <a:endParaRPr lang="en-US" dirty="0"/>
+            <a:pPr>
+              <a:lnSpc>
+                <a:spcPct val="150000"/>
+              </a:lnSpc>
+            </a:pPr>
+            <a:r>
+              <a:rPr lang="en-US" b="1" dirty="0"/>
+              <a:t>What are the disadvantages of Cloud Computing?</a:t>
+            </a:r>
           </a:p>
         </p:txBody>
       </p:sp>
@@ -4503,9 +4627,16 @@
             <p:ph type="title"/>
           </p:nvPr>
         </p:nvSpPr>
-        <p:spPr/>
-        <p:txBody>
-          <a:bodyPr/>
+        <p:spPr>
+          <a:xfrm>
+            <a:off x="1143000" y="838200"/>
+            <a:ext cx="7391400" cy="704088"/>
+          </a:xfrm>
+        </p:spPr>
+        <p:txBody>
+          <a:bodyPr>
+            <a:normAutofit fontScale="90000"/>
+          </a:bodyPr>
           <a:lstStyle/>
           <a:p>
             <a:r>
@@ -4525,7 +4656,12 @@
             <p:ph idx="1"/>
           </p:nvPr>
         </p:nvSpPr>
-        <p:spPr/>
+        <p:spPr>
+          <a:xfrm>
+            <a:off x="457200" y="1935480"/>
+            <a:ext cx="8382000" cy="4541520"/>
+          </a:xfrm>
+        </p:spPr>
         <p:txBody>
           <a:bodyPr>
             <a:normAutofit fontScale="92500" lnSpcReduction="20000"/>
@@ -4534,23 +4670,27 @@
           <a:p>
             <a:r>
               <a:rPr lang="en-US" b="1" dirty="0"/>
-              <a:t>Information technology </a:t>
+              <a:t>Information technology (IT) </a:t>
             </a:r>
             <a:r>
               <a:rPr lang="en-US" dirty="0"/>
-              <a:t>(IT) is the use of any computers, storage, networking and other devices, infrastructure and processes to create, process, store, secure and exchange all forms of electronic data</a:t>
-            </a:r>
-          </a:p>
-          <a:p>
+              <a:t>is the use of any computers, storage, networking and other devices, infrastructure and processes to create, process, store, secure and exchange all forms of electronic data.</a:t>
+            </a:r>
+          </a:p>
+          <a:p>
+            <a:r>
+              <a:rPr lang="en-US" b="1" dirty="0"/>
+              <a:t>Cloud computing </a:t>
+            </a:r>
             <a:r>
               <a:rPr lang="en-US" dirty="0"/>
-              <a:t>Cloud computing is the on-demand delivery of IT resources  and applications through internet with pay-as-you-go pricing model. </a:t>
+              <a:t>is the on-demand delivery of IT resources  and applications through internet with pay-as-you-go pricing model. </a:t>
             </a:r>
           </a:p>
           <a:p>
             <a:r>
               <a:rPr lang="en-US" dirty="0"/>
-              <a:t>Whether you run apps or deliver services that support the critical  operations of your business, the cloud provides rapid access to flexible  and low-cost IT resources. </a:t>
+              <a:t>Whether you run applications or deliver services that support the critical  operations of your business, the cloud provides rapid access to flexible  and low-cost IT resources. </a:t>
             </a:r>
             <a:endParaRPr lang="en-US" i="1" dirty="0"/>
           </a:p>
@@ -4567,6 +4707,14 @@
   <p:clrMapOvr>
     <a:masterClrMapping/>
   </p:clrMapOvr>
+  <mc:AlternateContent xmlns:mc="http://schemas.openxmlformats.org/markup-compatibility/2006" xmlns:p14="http://schemas.microsoft.com/office/powerpoint/2010/main">
+    <mc:Choice Requires="p14">
+      <p:transition spd="slow" p14:dur="2000" advTm="13725"/>
+    </mc:Choice>
+    <mc:Fallback xmlns="">
+      <p:transition spd="slow" advTm="13725"/>
+    </mc:Fallback>
+  </mc:AlternateContent>
 </p:sld>
 </file>
 
@@ -4589,6 +4737,120 @@
       </p:grpSpPr>
       <p:sp>
         <p:nvSpPr>
+          <p:cNvPr id="2" name="Title 1"/>
+          <p:cNvSpPr>
+            <a:spLocks noGrp="1"/>
+          </p:cNvSpPr>
+          <p:nvPr>
+            <p:ph type="title"/>
+          </p:nvPr>
+        </p:nvSpPr>
+        <p:spPr>
+          <a:xfrm>
+            <a:off x="1143000" y="838200"/>
+            <a:ext cx="7391400" cy="704088"/>
+          </a:xfrm>
+        </p:spPr>
+        <p:txBody>
+          <a:bodyPr>
+            <a:normAutofit fontScale="90000"/>
+          </a:bodyPr>
+          <a:lstStyle/>
+          <a:p>
+            <a:r>
+              <a:rPr lang="en-US" b="1" dirty="0"/>
+              <a:t>Definition of Cloud Computing</a:t>
+            </a:r>
+          </a:p>
+        </p:txBody>
+      </p:sp>
+      <p:sp>
+        <p:nvSpPr>
+          <p:cNvPr id="3" name="Content Placeholder 2"/>
+          <p:cNvSpPr>
+            <a:spLocks noGrp="1"/>
+          </p:cNvSpPr>
+          <p:nvPr>
+            <p:ph idx="1"/>
+          </p:nvPr>
+        </p:nvSpPr>
+        <p:spPr>
+          <a:xfrm>
+            <a:off x="609600" y="2895600"/>
+            <a:ext cx="8382000" cy="1798320"/>
+          </a:xfrm>
+        </p:spPr>
+        <p:txBody>
+          <a:bodyPr>
+            <a:normAutofit/>
+          </a:bodyPr>
+          <a:lstStyle/>
+          <a:p>
+            <a:pPr marL="0" indent="0" algn="l">
+              <a:buNone/>
+            </a:pPr>
+            <a:r>
+              <a:rPr lang="en-US" dirty="0">
+                <a:solidFill>
+                  <a:srgbClr val="202124"/>
+                </a:solidFill>
+                <a:latin typeface="Roboto" panose="02000000000000000000" pitchFamily="2" charset="0"/>
+              </a:rPr>
+              <a:t>	T</a:t>
+            </a:r>
+            <a:r>
+              <a:rPr lang="en-US" b="0" i="0" dirty="0">
+                <a:solidFill>
+                  <a:srgbClr val="202124"/>
+                </a:solidFill>
+                <a:effectLst/>
+                <a:latin typeface="Roboto" panose="02000000000000000000" pitchFamily="2" charset="0"/>
+              </a:rPr>
+              <a:t>he practice of using a network of remote servers hosted on the internet to store, manage, and process data, rather than a local server or a personal computer.</a:t>
+            </a:r>
+          </a:p>
+        </p:txBody>
+      </p:sp>
+    </p:spTree>
+    <p:extLst>
+      <p:ext uri="{BB962C8B-B14F-4D97-AF65-F5344CB8AC3E}">
+        <p14:creationId xmlns:p14="http://schemas.microsoft.com/office/powerpoint/2010/main" val="364475032"/>
+      </p:ext>
+    </p:extLst>
+  </p:cSld>
+  <p:clrMapOvr>
+    <a:masterClrMapping/>
+  </p:clrMapOvr>
+  <mc:AlternateContent xmlns:mc="http://schemas.openxmlformats.org/markup-compatibility/2006" xmlns:p14="http://schemas.microsoft.com/office/powerpoint/2010/main">
+    <mc:Choice Requires="p14">
+      <p:transition spd="slow" p14:dur="2000" advTm="13725"/>
+    </mc:Choice>
+    <mc:Fallback xmlns="">
+      <p:transition spd="slow" advTm="13725"/>
+    </mc:Fallback>
+  </mc:AlternateContent>
+</p:sld>
+</file>
+
+<file path=ppt/slides/slide5.xml><?xml version="1.0" encoding="utf-8"?>
+<p:sld xmlns:a="http://schemas.openxmlformats.org/drawingml/2006/main" xmlns:r="http://schemas.openxmlformats.org/officeDocument/2006/relationships" xmlns:p="http://schemas.openxmlformats.org/presentationml/2006/main">
+  <p:cSld>
+    <p:spTree>
+      <p:nvGrpSpPr>
+        <p:cNvPr id="1" name=""/>
+        <p:cNvGrpSpPr/>
+        <p:nvPr/>
+      </p:nvGrpSpPr>
+      <p:grpSpPr>
+        <a:xfrm>
+          <a:off x="0" y="0"/>
+          <a:ext cx="0" cy="0"/>
+          <a:chOff x="0" y="0"/>
+          <a:chExt cx="0" cy="0"/>
+        </a:xfrm>
+      </p:grpSpPr>
+      <p:sp>
+        <p:nvSpPr>
           <p:cNvPr id="2" name="Title 1">
             <a:extLst>
               <a:ext uri="{FF2B5EF4-FFF2-40B4-BE49-F238E27FC236}">
@@ -4611,7 +4873,7 @@
             <a:pPr algn="ctr"/>
             <a:r>
               <a:rPr lang="en-US" dirty="0"/>
-              <a:t>IT Resource Management</a:t>
+              <a:t>On-Premises Data Center</a:t>
             </a:r>
           </a:p>
         </p:txBody>
@@ -4664,7 +4926,7 @@
 </p:sld>
 </file>
 
-<file path=ppt/slides/slide5.xml><?xml version="1.0" encoding="utf-8"?>
+<file path=ppt/slides/slide6.xml><?xml version="1.0" encoding="utf-8"?>
 <p:sld xmlns:a="http://schemas.openxmlformats.org/drawingml/2006/main" xmlns:r="http://schemas.openxmlformats.org/officeDocument/2006/relationships" xmlns:p="http://schemas.openxmlformats.org/presentationml/2006/main">
   <p:cSld>
     <p:spTree>
@@ -4697,15 +4959,22 @@
             <p:ph type="title"/>
           </p:nvPr>
         </p:nvSpPr>
-        <p:spPr/>
-        <p:txBody>
-          <a:bodyPr/>
+        <p:spPr>
+          <a:xfrm>
+            <a:off x="457200" y="1270794"/>
+            <a:ext cx="8229600" cy="1143000"/>
+          </a:xfrm>
+        </p:spPr>
+        <p:txBody>
+          <a:bodyPr>
+            <a:normAutofit fontScale="90000"/>
+          </a:bodyPr>
           <a:lstStyle/>
           <a:p>
             <a:pPr algn="ctr"/>
             <a:r>
               <a:rPr lang="en-US" dirty="0"/>
-              <a:t>IT Resource Management</a:t>
+              <a:t>We don’t want to manage physical servers – Let’s move to the cloud!</a:t>
             </a:r>
           </a:p>
         </p:txBody>
@@ -4758,91 +5027,6 @@
 </p:sld>
 </file>
 
-<file path=ppt/slides/slide6.xml><?xml version="1.0" encoding="utf-8"?>
-<p:sld xmlns:a="http://schemas.openxmlformats.org/drawingml/2006/main" xmlns:r="http://schemas.openxmlformats.org/officeDocument/2006/relationships" xmlns:p="http://schemas.openxmlformats.org/presentationml/2006/main">
-  <p:cSld>
-    <p:spTree>
-      <p:nvGrpSpPr>
-        <p:cNvPr id="1" name=""/>
-        <p:cNvGrpSpPr/>
-        <p:nvPr/>
-      </p:nvGrpSpPr>
-      <p:grpSpPr>
-        <a:xfrm>
-          <a:off x="0" y="0"/>
-          <a:ext cx="0" cy="0"/>
-          <a:chOff x="0" y="0"/>
-          <a:chExt cx="0" cy="0"/>
-        </a:xfrm>
-      </p:grpSpPr>
-      <p:sp>
-        <p:nvSpPr>
-          <p:cNvPr id="2" name="Title 1"/>
-          <p:cNvSpPr>
-            <a:spLocks noGrp="1"/>
-          </p:cNvSpPr>
-          <p:nvPr>
-            <p:ph type="title"/>
-          </p:nvPr>
-        </p:nvSpPr>
-        <p:spPr>
-          <a:xfrm>
-            <a:off x="457200" y="914400"/>
-            <a:ext cx="8229600" cy="1143000"/>
-          </a:xfrm>
-        </p:spPr>
-        <p:txBody>
-          <a:bodyPr/>
-          <a:lstStyle/>
-          <a:p>
-            <a:r>
-              <a:rPr lang="en-US" b="1" dirty="0"/>
-              <a:t>Definition of Cloud Computing</a:t>
-            </a:r>
-          </a:p>
-        </p:txBody>
-      </p:sp>
-      <p:sp>
-        <p:nvSpPr>
-          <p:cNvPr id="3" name="Content Placeholder 2"/>
-          <p:cNvSpPr>
-            <a:spLocks noGrp="1"/>
-          </p:cNvSpPr>
-          <p:nvPr>
-            <p:ph idx="1"/>
-          </p:nvPr>
-        </p:nvSpPr>
-        <p:spPr>
-          <a:xfrm>
-            <a:off x="457200" y="2392680"/>
-            <a:ext cx="8229600" cy="3169920"/>
-          </a:xfrm>
-        </p:spPr>
-        <p:txBody>
-          <a:bodyPr/>
-          <a:lstStyle/>
-          <a:p>
-            <a:r>
-              <a:rPr lang="en-US" dirty="0"/>
-              <a:t>Cloud computing provides an easy way to access servers, storage, databases, and a broad set of application services  over the internet. </a:t>
-            </a:r>
-          </a:p>
-          <a:p>
-            <a:r>
-              <a:rPr lang="en-US" dirty="0"/>
-              <a:t>Cloud computing providers such as AWS owns and  maintain the network-connected hardware required for those  application services, while you provision and use what you need for  your workloads. </a:t>
-            </a:r>
-          </a:p>
-        </p:txBody>
-      </p:sp>
-    </p:spTree>
-  </p:cSld>
-  <p:clrMapOvr>
-    <a:masterClrMapping/>
-  </p:clrMapOvr>
-</p:sld>
-</file>
-
 <file path=ppt/slides/slide7.xml><?xml version="1.0" encoding="utf-8"?>
 <p:sld xmlns:a="http://schemas.openxmlformats.org/drawingml/2006/main" xmlns:r="http://schemas.openxmlformats.org/officeDocument/2006/relationships" xmlns:p="http://schemas.openxmlformats.org/presentationml/2006/main">
   <p:cSld>
@@ -4870,7 +5054,12 @@
             <p:ph type="title"/>
           </p:nvPr>
         </p:nvSpPr>
-        <p:spPr/>
+        <p:spPr>
+          <a:xfrm>
+            <a:off x="457200" y="914400"/>
+            <a:ext cx="8229600" cy="1143000"/>
+          </a:xfrm>
+        </p:spPr>
         <p:txBody>
           <a:bodyPr/>
           <a:lstStyle/>
@@ -4878,7 +5067,15 @@
             <a:pPr algn="ctr"/>
             <a:r>
               <a:rPr lang="en-US" b="1" dirty="0"/>
-              <a:t>WHY CLOUD COMPUTING ?	</a:t>
+              <a:t>Cloud Computing </a:t>
+            </a:r>
+            <a:r>
+              <a:rPr lang="en-US" b="1" dirty="0" err="1"/>
+              <a:t>Cont</a:t>
+            </a:r>
+            <a:r>
+              <a:rPr lang="en-US" b="1" dirty="0"/>
+              <a:t>……</a:t>
             </a:r>
           </a:p>
         </p:txBody>
@@ -4893,58 +5090,25 @@
             <p:ph idx="1"/>
           </p:nvPr>
         </p:nvSpPr>
-        <p:spPr/>
-        <p:txBody>
-          <a:bodyPr>
-            <a:normAutofit/>
-          </a:bodyPr>
+        <p:spPr>
+          <a:xfrm>
+            <a:off x="457200" y="2392680"/>
+            <a:ext cx="8229600" cy="3169920"/>
+          </a:xfrm>
+        </p:spPr>
+        <p:txBody>
+          <a:bodyPr/>
           <a:lstStyle/>
           <a:p>
             <a:r>
               <a:rPr lang="en-US" dirty="0"/>
-              <a:t>Many businesses large and small use cloud computing today either directly  (e.g. Google or Amazon) or indirectly (e.g. Twitter) instead of traditional on-site alternatives. </a:t>
-            </a:r>
-          </a:p>
-          <a:p>
-            <a:pPr lvl="1"/>
+              <a:t>Cloud computing provides an easy way to access servers, storage, databases, and a broad set of application services  over the internet. </a:t>
+            </a:r>
+          </a:p>
+          <a:p>
             <a:r>
               <a:rPr lang="en-US" dirty="0"/>
-              <a:t>Reduction of costs</a:t>
-            </a:r>
-          </a:p>
-          <a:p>
-            <a:pPr lvl="1"/>
-            <a:r>
-              <a:rPr lang="en-US" dirty="0"/>
-              <a:t>Universal access</a:t>
-            </a:r>
-          </a:p>
-          <a:p>
-            <a:pPr lvl="1"/>
-            <a:r>
-              <a:rPr lang="en-US" dirty="0"/>
-              <a:t>Up to date software </a:t>
-            </a:r>
-          </a:p>
-          <a:p>
-            <a:pPr lvl="1"/>
-            <a:r>
-              <a:rPr lang="en-US" dirty="0"/>
-              <a:t>Choice of applications</a:t>
-            </a:r>
-          </a:p>
-          <a:p>
-            <a:pPr lvl="1"/>
-            <a:r>
-              <a:rPr lang="en-US" dirty="0"/>
-              <a:t>Potential to be greener and more economical</a:t>
-            </a:r>
-          </a:p>
-          <a:p>
-            <a:pPr lvl="1"/>
-            <a:r>
-              <a:rPr lang="en-US" dirty="0"/>
-              <a:t>Flexibility </a:t>
+              <a:t>Cloud computing providers such as AWS owns and  maintain the network-connected hardware required for those  application services, while you provision and use what you need for  your workloads. </a:t>
             </a:r>
           </a:p>
         </p:txBody>
@@ -4986,97 +5150,79 @@
         </p:nvSpPr>
         <p:spPr/>
         <p:txBody>
+          <a:bodyPr/>
+          <a:lstStyle/>
+          <a:p>
+            <a:pPr algn="ctr"/>
+            <a:r>
+              <a:rPr lang="en-US" b="1" dirty="0"/>
+              <a:t>WHY CLOUD COMPUTING ?	</a:t>
+            </a:r>
+          </a:p>
+        </p:txBody>
+      </p:sp>
+      <p:sp>
+        <p:nvSpPr>
+          <p:cNvPr id="3" name="Content Placeholder 2"/>
+          <p:cNvSpPr>
+            <a:spLocks noGrp="1"/>
+          </p:cNvSpPr>
+          <p:nvPr>
+            <p:ph idx="1"/>
+          </p:nvPr>
+        </p:nvSpPr>
+        <p:spPr/>
+        <p:txBody>
           <a:bodyPr>
-            <a:normAutofit fontScale="90000"/>
+            <a:normAutofit/>
           </a:bodyPr>
           <a:lstStyle/>
           <a:p>
             <a:r>
-              <a:rPr lang="en-US" b="1" dirty="0"/>
-              <a:t>BENEFITS OF CLOUD COMPUTING</a:t>
-            </a:r>
-          </a:p>
-        </p:txBody>
-      </p:sp>
-      <p:sp>
-        <p:nvSpPr>
-          <p:cNvPr id="3" name="Content Placeholder 2"/>
-          <p:cNvSpPr>
-            <a:spLocks noGrp="1"/>
-          </p:cNvSpPr>
-          <p:nvPr>
-            <p:ph idx="1"/>
-          </p:nvPr>
-        </p:nvSpPr>
-        <p:spPr/>
-        <p:txBody>
-          <a:bodyPr>
-            <a:normAutofit fontScale="92500"/>
-          </a:bodyPr>
-          <a:lstStyle/>
-          <a:p>
-            <a:r>
-              <a:rPr lang="en-US" b="1" dirty="0"/>
-              <a:t>Faster Deployments: </a:t>
+              <a:rPr lang="en-US" dirty="0"/>
+              <a:t>Many businesses large and small use cloud computing today either directly  (e.g. Google or Amazon) or indirectly (e.g. Twitter) instead of traditional on-site alternatives. </a:t>
             </a:r>
           </a:p>
           <a:p>
             <a:pPr lvl="1"/>
             <a:r>
               <a:rPr lang="en-US" dirty="0"/>
-              <a:t>Because there’s no wait for local computing resources </a:t>
-            </a:r>
-          </a:p>
-          <a:p>
-            <a:r>
-              <a:rPr lang="en-US" b="1" dirty="0"/>
-              <a:t>Usage-based pricing:</a:t>
+              <a:t>Reduction of costs</a:t>
             </a:r>
           </a:p>
           <a:p>
             <a:pPr lvl="1"/>
             <a:r>
               <a:rPr lang="en-US" dirty="0"/>
-              <a:t> Letting you pay only for what you use </a:t>
-            </a:r>
-          </a:p>
-          <a:p>
-            <a:r>
-              <a:rPr lang="en-US" b="1" dirty="0"/>
-              <a:t>Less financial risk: </a:t>
+              <a:t>Universal access</a:t>
             </a:r>
           </a:p>
           <a:p>
             <a:pPr lvl="1"/>
             <a:r>
               <a:rPr lang="en-US" dirty="0"/>
-              <a:t>With lower up-front investment in hardware and software </a:t>
-            </a:r>
-          </a:p>
-          <a:p>
-            <a:r>
-              <a:rPr lang="en-US" b="1" dirty="0"/>
-              <a:t>Easier upgrades: </a:t>
+              <a:t>Up to date software </a:t>
             </a:r>
           </a:p>
           <a:p>
             <a:pPr lvl="1"/>
             <a:r>
               <a:rPr lang="en-US" dirty="0"/>
-              <a:t>With no on-premises software to update </a:t>
-            </a:r>
-          </a:p>
-          <a:p>
-            <a:r>
-              <a:rPr lang="en-US" b="1" dirty="0"/>
-              <a:t>Reduced need for on-premises resources:</a:t>
+              <a:t>Choice of applications</a:t>
             </a:r>
           </a:p>
           <a:p>
             <a:pPr lvl="1"/>
             <a:r>
               <a:rPr lang="en-US" dirty="0"/>
-              <a:t> such as servers and IT staff </a:t>
+              <a:t>Potential to be greener and more economical</a:t>
+            </a:r>
+          </a:p>
+          <a:p>
+            <a:pPr lvl="1"/>
+            <a:r>
+              <a:rPr lang="en-US" dirty="0"/>
+              <a:t>Flexibility </a:t>
             </a:r>
           </a:p>
         </p:txBody>
@@ -5116,22 +5262,16 @@
             <p:ph type="title"/>
           </p:nvPr>
         </p:nvSpPr>
-        <p:spPr>
-          <a:xfrm>
-            <a:off x="457200" y="856488"/>
-            <a:ext cx="8229600" cy="1353312"/>
-          </a:xfrm>
-        </p:spPr>
+        <p:spPr/>
         <p:txBody>
           <a:bodyPr>
             <a:normAutofit fontScale="90000"/>
           </a:bodyPr>
           <a:lstStyle/>
           <a:p>
-            <a:pPr algn="ctr"/>
             <a:r>
               <a:rPr lang="en-US" b="1" dirty="0"/>
-              <a:t>DISADVANTAGES OF CLOUD COMPUTING</a:t>
+              <a:t>BENEFITS OF CLOUD COMPUTING</a:t>
             </a:r>
           </a:p>
         </p:txBody>
@@ -5146,53 +5286,75 @@
             <p:ph idx="1"/>
           </p:nvPr>
         </p:nvSpPr>
-        <p:spPr>
-          <a:xfrm>
-            <a:off x="457200" y="2057400"/>
-            <a:ext cx="8229600" cy="4267200"/>
-          </a:xfrm>
-        </p:spPr>
-        <p:txBody>
-          <a:bodyPr/>
+        <p:spPr/>
+        <p:txBody>
+          <a:bodyPr>
+            <a:normAutofit fontScale="92500"/>
+          </a:bodyPr>
           <a:lstStyle/>
           <a:p>
             <a:r>
               <a:rPr lang="en-US" b="1" dirty="0"/>
-              <a:t>Security Issues: </a:t>
+              <a:t>Faster Deployments: </a:t>
             </a:r>
           </a:p>
           <a:p>
             <a:pPr lvl="1"/>
             <a:r>
               <a:rPr lang="en-US" dirty="0"/>
-              <a:t>Security is the major issue in cloud computing. </a:t>
+              <a:t>Because there’s no wait for local computing resources </a:t>
+            </a:r>
+          </a:p>
+          <a:p>
+            <a:r>
+              <a:rPr lang="en-US" b="1" dirty="0"/>
+              <a:t>Usage-based pricing:</a:t>
             </a:r>
           </a:p>
           <a:p>
             <a:pPr lvl="1"/>
             <a:r>
               <a:rPr lang="en-US" dirty="0"/>
-              <a:t>The cloud  services implement the best security standards and industry  certifications. </a:t>
-            </a:r>
-          </a:p>
-          <a:p>
-            <a:pPr lvl="2"/>
-            <a:r>
-              <a:rPr lang="en-US" i="1" dirty="0"/>
-              <a:t>However, storing data on an external service providers always  bears a risk. </a:t>
+              <a:t> Letting you pay only for what you use </a:t>
             </a:r>
           </a:p>
           <a:p>
             <a:r>
               <a:rPr lang="en-US" b="1" dirty="0"/>
-              <a:t>Technical Issues: </a:t>
+              <a:t>Less financial risk: </a:t>
             </a:r>
           </a:p>
           <a:p>
             <a:pPr lvl="1"/>
             <a:r>
               <a:rPr lang="en-US" dirty="0"/>
-              <a:t>You always need to rely on the internet to  uploading/downloading and migrating.</a:t>
+              <a:t>With lower up-front investment in hardware and software </a:t>
+            </a:r>
+          </a:p>
+          <a:p>
+            <a:r>
+              <a:rPr lang="en-US" b="1" dirty="0"/>
+              <a:t>Easier upgrades: </a:t>
+            </a:r>
+          </a:p>
+          <a:p>
+            <a:pPr lvl="1"/>
+            <a:r>
+              <a:rPr lang="en-US" dirty="0"/>
+              <a:t>With no on-premises software to update </a:t>
+            </a:r>
+          </a:p>
+          <a:p>
+            <a:r>
+              <a:rPr lang="en-US" b="1" dirty="0"/>
+              <a:t>Reduced need for on-premises resources:</a:t>
+            </a:r>
+          </a:p>
+          <a:p>
+            <a:pPr lvl="1"/>
+            <a:r>
+              <a:rPr lang="en-US" dirty="0"/>
+              <a:t> such as servers and IT staff </a:t>
             </a:r>
           </a:p>
         </p:txBody>
